--- a/slide.pptx
+++ b/slide.pptx
@@ -7,6 +7,8 @@
   <p:sldIdLst>
     <p:sldId id="256" r:id="rId2"/>
     <p:sldId id="257" r:id="rId3"/>
+    <p:sldId id="258" r:id="rId4"/>
+    <p:sldId id="259" r:id="rId5"/>
   </p:sldIdLst>
   <p:sldSz cx="12192000" cy="6858000"/>
   <p:notesSz cx="6858000" cy="9144000"/>
@@ -3718,13 +3720,8 @@
           <a:p>
             <a:r>
               <a:rPr kumimoji="1" lang="ja-JP" altLang="en-US" dirty="0"/>
-              <a:t>マンセル</a:t>
-            </a:r>
-            <a:r>
-              <a:rPr kumimoji="1" lang="ja-JP" altLang="en-US"/>
-              <a:t>色立体と</a:t>
-            </a:r>
-            <a:endParaRPr kumimoji="1" lang="ja-JP" altLang="en-US" dirty="0"/>
+              <a:t>マンセル色立体とイッテンの色彩論</a:t>
+            </a:r>
           </a:p>
         </p:txBody>
       </p:sp>
@@ -3980,10 +3977,338 @@
           </a:p>
         </p:txBody>
       </p:sp>
+      <p:sp>
+        <p:nvSpPr>
+          <p:cNvPr id="3" name="吹き出し: 四角形 2">
+            <a:extLst>
+              <a:ext uri="{FF2B5EF4-FFF2-40B4-BE49-F238E27FC236}">
+                <a16:creationId xmlns:a16="http://schemas.microsoft.com/office/drawing/2014/main" id="{58CA3B9C-86F9-9033-4129-DB0A928D8E36}"/>
+              </a:ext>
+            </a:extLst>
+          </p:cNvPr>
+          <p:cNvSpPr/>
+          <p:nvPr/>
+        </p:nvSpPr>
+        <p:spPr>
+          <a:xfrm>
+            <a:off x="4637025" y="4403558"/>
+            <a:ext cx="1930420" cy="742700"/>
+          </a:xfrm>
+          <a:prstGeom prst="wedgeRectCallout">
+            <a:avLst>
+              <a:gd name="adj1" fmla="val 69054"/>
+              <a:gd name="adj2" fmla="val -45444"/>
+            </a:avLst>
+          </a:prstGeom>
+        </p:spPr>
+        <p:style>
+          <a:lnRef idx="2">
+            <a:schemeClr val="accent1">
+              <a:shade val="15000"/>
+            </a:schemeClr>
+          </a:lnRef>
+          <a:fillRef idx="1">
+            <a:schemeClr val="accent1"/>
+          </a:fillRef>
+          <a:effectRef idx="0">
+            <a:schemeClr val="accent1"/>
+          </a:effectRef>
+          <a:fontRef idx="minor">
+            <a:schemeClr val="lt1"/>
+          </a:fontRef>
+        </p:style>
+        <p:txBody>
+          <a:bodyPr rtlCol="0" anchor="ctr"/>
+          <a:lstStyle/>
+          <a:p>
+            <a:pPr algn="ctr"/>
+            <a:r>
+              <a:rPr kumimoji="1" lang="ja-JP" altLang="en-US" dirty="0"/>
+              <a:t>私が考えました</a:t>
+            </a:r>
+          </a:p>
+        </p:txBody>
+      </p:sp>
     </p:spTree>
     <p:extLst>
       <p:ext uri="{BB962C8B-B14F-4D97-AF65-F5344CB8AC3E}">
         <p14:creationId xmlns:p14="http://schemas.microsoft.com/office/powerpoint/2010/main" val="2273019120"/>
+      </p:ext>
+    </p:extLst>
+  </p:cSld>
+  <p:clrMapOvr>
+    <a:masterClrMapping/>
+  </p:clrMapOvr>
+</p:sld>
+</file>
+
+<file path=ppt/slides/slide3.xml><?xml version="1.0" encoding="utf-8"?>
+<p:sld xmlns:a="http://schemas.openxmlformats.org/drawingml/2006/main" xmlns:r="http://schemas.openxmlformats.org/officeDocument/2006/relationships" xmlns:p="http://schemas.openxmlformats.org/presentationml/2006/main">
+  <p:cSld>
+    <p:spTree>
+      <p:nvGrpSpPr>
+        <p:cNvPr id="1" name=""/>
+        <p:cNvGrpSpPr/>
+        <p:nvPr/>
+      </p:nvGrpSpPr>
+      <p:grpSpPr>
+        <a:xfrm>
+          <a:off x="0" y="0"/>
+          <a:ext cx="0" cy="0"/>
+          <a:chOff x="0" y="0"/>
+          <a:chExt cx="0" cy="0"/>
+        </a:xfrm>
+      </p:grpSpPr>
+      <p:sp>
+        <p:nvSpPr>
+          <p:cNvPr id="2" name="タイトル 1">
+            <a:extLst>
+              <a:ext uri="{FF2B5EF4-FFF2-40B4-BE49-F238E27FC236}">
+                <a16:creationId xmlns:a16="http://schemas.microsoft.com/office/drawing/2014/main" id="{FC78249C-BE8C-EEA5-D4D8-E893A44E5034}"/>
+              </a:ext>
+            </a:extLst>
+          </p:cNvPr>
+          <p:cNvSpPr>
+            <a:spLocks noGrp="1"/>
+          </p:cNvSpPr>
+          <p:nvPr>
+            <p:ph type="title"/>
+          </p:nvPr>
+        </p:nvSpPr>
+        <p:spPr/>
+        <p:txBody>
+          <a:bodyPr/>
+          <a:lstStyle/>
+          <a:p>
+            <a:r>
+              <a:rPr kumimoji="1" lang="ja-JP" altLang="en-US" dirty="0"/>
+              <a:t>実際に試してみる</a:t>
+            </a:r>
+          </a:p>
+        </p:txBody>
+      </p:sp>
+      <p:sp>
+        <p:nvSpPr>
+          <p:cNvPr id="3" name="コンテンツ プレースホルダー 2">
+            <a:extLst>
+              <a:ext uri="{FF2B5EF4-FFF2-40B4-BE49-F238E27FC236}">
+                <a16:creationId xmlns:a16="http://schemas.microsoft.com/office/drawing/2014/main" id="{FD8BAE3D-F83A-02F6-7A54-678504862807}"/>
+              </a:ext>
+            </a:extLst>
+          </p:cNvPr>
+          <p:cNvSpPr>
+            <a:spLocks noGrp="1"/>
+          </p:cNvSpPr>
+          <p:nvPr>
+            <p:ph idx="1"/>
+          </p:nvPr>
+        </p:nvSpPr>
+        <p:spPr/>
+        <p:txBody>
+          <a:bodyPr/>
+          <a:lstStyle/>
+          <a:p>
+            <a:r>
+              <a:rPr kumimoji="1" lang="ja-JP" altLang="en-US" dirty="0"/>
+              <a:t>今日の服はこれで選んできましたみたいなデモができたら面白い</a:t>
+            </a:r>
+          </a:p>
+        </p:txBody>
+      </p:sp>
+    </p:spTree>
+    <p:extLst>
+      <p:ext uri="{BB962C8B-B14F-4D97-AF65-F5344CB8AC3E}">
+        <p14:creationId xmlns:p14="http://schemas.microsoft.com/office/powerpoint/2010/main" val="1742298178"/>
+      </p:ext>
+    </p:extLst>
+  </p:cSld>
+  <p:clrMapOvr>
+    <a:masterClrMapping/>
+  </p:clrMapOvr>
+</p:sld>
+</file>
+
+<file path=ppt/slides/slide4.xml><?xml version="1.0" encoding="utf-8"?>
+<p:sld xmlns:a="http://schemas.openxmlformats.org/drawingml/2006/main" xmlns:r="http://schemas.openxmlformats.org/officeDocument/2006/relationships" xmlns:p="http://schemas.openxmlformats.org/presentationml/2006/main">
+  <p:cSld>
+    <p:spTree>
+      <p:nvGrpSpPr>
+        <p:cNvPr id="1" name=""/>
+        <p:cNvGrpSpPr/>
+        <p:nvPr/>
+      </p:nvGrpSpPr>
+      <p:grpSpPr>
+        <a:xfrm>
+          <a:off x="0" y="0"/>
+          <a:ext cx="0" cy="0"/>
+          <a:chOff x="0" y="0"/>
+          <a:chExt cx="0" cy="0"/>
+        </a:xfrm>
+      </p:grpSpPr>
+      <p:sp>
+        <p:nvSpPr>
+          <p:cNvPr id="2" name="タイトル 1">
+            <a:extLst>
+              <a:ext uri="{FF2B5EF4-FFF2-40B4-BE49-F238E27FC236}">
+                <a16:creationId xmlns:a16="http://schemas.microsoft.com/office/drawing/2014/main" id="{4B5442F1-81B5-8515-5A93-7D4E5182E8C9}"/>
+              </a:ext>
+            </a:extLst>
+          </p:cNvPr>
+          <p:cNvSpPr>
+            <a:spLocks noGrp="1"/>
+          </p:cNvSpPr>
+          <p:nvPr>
+            <p:ph type="title"/>
+          </p:nvPr>
+        </p:nvSpPr>
+        <p:spPr/>
+        <p:txBody>
+          <a:bodyPr/>
+          <a:lstStyle/>
+          <a:p>
+            <a:r>
+              <a:rPr kumimoji="1" lang="en-US" altLang="ja-JP" dirty="0"/>
+              <a:t>QR</a:t>
+            </a:r>
+            <a:r>
+              <a:rPr kumimoji="1" lang="ja-JP" altLang="en-US" dirty="0"/>
+              <a:t>コード</a:t>
+            </a:r>
+          </a:p>
+        </p:txBody>
+      </p:sp>
+      <p:sp>
+        <p:nvSpPr>
+          <p:cNvPr id="3" name="コンテンツ プレースホルダー 2">
+            <a:extLst>
+              <a:ext uri="{FF2B5EF4-FFF2-40B4-BE49-F238E27FC236}">
+                <a16:creationId xmlns:a16="http://schemas.microsoft.com/office/drawing/2014/main" id="{B151C5F2-E43A-18EB-0CD6-C832260727E3}"/>
+              </a:ext>
+            </a:extLst>
+          </p:cNvPr>
+          <p:cNvSpPr>
+            <a:spLocks noGrp="1"/>
+          </p:cNvSpPr>
+          <p:nvPr>
+            <p:ph idx="1"/>
+          </p:nvPr>
+        </p:nvSpPr>
+        <p:spPr/>
+        <p:txBody>
+          <a:bodyPr/>
+          <a:lstStyle/>
+          <a:p>
+            <a:endParaRPr kumimoji="1" lang="ja-JP" altLang="en-US" dirty="0"/>
+          </a:p>
+        </p:txBody>
+      </p:sp>
+      <p:sp>
+        <p:nvSpPr>
+          <p:cNvPr id="4" name="テキスト ボックス 3">
+            <a:extLst>
+              <a:ext uri="{FF2B5EF4-FFF2-40B4-BE49-F238E27FC236}">
+                <a16:creationId xmlns:a16="http://schemas.microsoft.com/office/drawing/2014/main" id="{48BAEE04-C38B-CD53-16A0-9BC0786F0868}"/>
+              </a:ext>
+            </a:extLst>
+          </p:cNvPr>
+          <p:cNvSpPr txBox="1"/>
+          <p:nvPr/>
+        </p:nvSpPr>
+        <p:spPr>
+          <a:xfrm>
+            <a:off x="1900988" y="6228933"/>
+            <a:ext cx="10635917" cy="646331"/>
+          </a:xfrm>
+          <a:prstGeom prst="rect">
+            <a:avLst/>
+          </a:prstGeom>
+          <a:noFill/>
+        </p:spPr>
+        <p:txBody>
+          <a:bodyPr wrap="square" rtlCol="0">
+            <a:spAutoFit/>
+          </a:bodyPr>
+          <a:lstStyle/>
+          <a:p>
+            <a:r>
+              <a:rPr lang="az-Cyrl-AZ" altLang="ja-JP" b="0" i="0" dirty="0">
+                <a:solidFill>
+                  <a:srgbClr val="202122"/>
+                </a:solidFill>
+                <a:effectLst/>
+                <a:latin typeface="Arial" panose="020B0604020202020204" pitchFamily="34" charset="0"/>
+              </a:rPr>
+              <a:t>копия из книги </a:t>
+            </a:r>
+            <a:r>
+              <a:rPr lang="en-US" altLang="ja-JP" b="0" i="0" dirty="0">
+                <a:solidFill>
+                  <a:srgbClr val="202122"/>
+                </a:solidFill>
+                <a:effectLst/>
+                <a:latin typeface="Arial" panose="020B0604020202020204" pitchFamily="34" charset="0"/>
+              </a:rPr>
+              <a:t>Bauhaus. Bauhaus </a:t>
+            </a:r>
+            <a:r>
+              <a:rPr lang="en-US" altLang="ja-JP" b="0" i="0" dirty="0" err="1">
+                <a:solidFill>
+                  <a:srgbClr val="202122"/>
+                </a:solidFill>
+                <a:effectLst/>
+                <a:latin typeface="Arial" panose="020B0604020202020204" pitchFamily="34" charset="0"/>
+              </a:rPr>
+              <a:t>archiv</a:t>
+            </a:r>
+            <a:r>
+              <a:rPr lang="en-US" altLang="ja-JP" b="0" i="0" dirty="0">
+                <a:solidFill>
+                  <a:srgbClr val="202122"/>
+                </a:solidFill>
+                <a:effectLst/>
+                <a:latin typeface="Arial" panose="020B0604020202020204" pitchFamily="34" charset="0"/>
+              </a:rPr>
+              <a:t>. 1919-1933. Magdalena </a:t>
+            </a:r>
+            <a:r>
+              <a:rPr lang="en-US" altLang="ja-JP" b="0" i="0" dirty="0" err="1">
+                <a:solidFill>
+                  <a:srgbClr val="202122"/>
+                </a:solidFill>
+                <a:effectLst/>
+                <a:latin typeface="Arial" panose="020B0604020202020204" pitchFamily="34" charset="0"/>
+              </a:rPr>
+              <a:t>Droste</a:t>
+            </a:r>
+            <a:r>
+              <a:rPr lang="en-US" altLang="ja-JP" b="0" i="0" dirty="0">
+                <a:solidFill>
+                  <a:srgbClr val="202122"/>
+                </a:solidFill>
+                <a:effectLst/>
+                <a:latin typeface="Arial" panose="020B0604020202020204" pitchFamily="34" charset="0"/>
+              </a:rPr>
+              <a:t>. Benedikt Taschen. 1990 </a:t>
+            </a:r>
+            <a:r>
+              <a:rPr lang="en-US" altLang="ja-JP" b="0" i="0" u="none" strike="noStrike" dirty="0">
+                <a:solidFill>
+                  <a:srgbClr val="0645AD"/>
+                </a:solidFill>
+                <a:effectLst/>
+                <a:latin typeface="Arial" panose="020B0604020202020204" pitchFamily="34" charset="0"/>
+                <a:hlinkClick r:id="rId2" tooltip="Special:BookSources/3-8228-0179-8"/>
+              </a:rPr>
+              <a:t>ISBN 3-8228-0179-8</a:t>
+            </a:r>
+            <a:endParaRPr kumimoji="1" lang="ja-JP" altLang="en-US" dirty="0"/>
+          </a:p>
+        </p:txBody>
+      </p:sp>
+    </p:spTree>
+    <p:extLst>
+      <p:ext uri="{BB962C8B-B14F-4D97-AF65-F5344CB8AC3E}">
+        <p14:creationId xmlns:p14="http://schemas.microsoft.com/office/powerpoint/2010/main" val="2875507402"/>
       </p:ext>
     </p:extLst>
   </p:cSld>

--- a/slide.pptx
+++ b/slide.pptx
@@ -7,8 +7,9 @@
   <p:sldIdLst>
     <p:sldId id="256" r:id="rId2"/>
     <p:sldId id="257" r:id="rId3"/>
-    <p:sldId id="258" r:id="rId4"/>
-    <p:sldId id="259" r:id="rId5"/>
+    <p:sldId id="260" r:id="rId4"/>
+    <p:sldId id="258" r:id="rId5"/>
+    <p:sldId id="259" r:id="rId6"/>
   </p:sldIdLst>
   <p:sldSz cx="12192000" cy="6858000"/>
   <p:notesSz cx="6858000" cy="9144000"/>
@@ -3638,7 +3639,11 @@
           <a:bodyPr/>
           <a:lstStyle/>
           <a:p>
-            <a:endParaRPr kumimoji="1" lang="ja-JP" altLang="en-US"/>
+            <a:r>
+              <a:rPr kumimoji="1" lang="en-US" altLang="ja-JP" dirty="0"/>
+              <a:t>color-suggester</a:t>
+            </a:r>
+            <a:endParaRPr kumimoji="1" lang="ja-JP" altLang="en-US" dirty="0"/>
           </a:p>
         </p:txBody>
       </p:sp>
@@ -3793,7 +3798,11 @@
           <a:bodyPr/>
           <a:lstStyle/>
           <a:p>
-            <a:endParaRPr lang="ja-JP" altLang="en-US" dirty="0"/>
+            <a:r>
+              <a:rPr lang="ja-JP" altLang="en-US" dirty="0"/>
+              <a:t>色を良い感じにする</a:t>
+            </a:r>
+            <a:endParaRPr lang="en-US" altLang="ja-JP" dirty="0"/>
           </a:p>
         </p:txBody>
       </p:sp>
@@ -3859,7 +3868,7 @@
         <p:spPr>
           <a:xfrm>
             <a:off x="9144000" y="2330791"/>
-            <a:ext cx="6096000" cy="369332"/>
+            <a:ext cx="3100786" cy="369332"/>
           </a:xfrm>
           <a:prstGeom prst="rect">
             <a:avLst/>
@@ -3873,7 +3882,7 @@
           <a:lstStyle/>
           <a:p>
             <a:r>
-              <a:rPr lang="en-US" altLang="ja-JP" b="1" i="0" dirty="0">
+              <a:rPr lang="en-US" altLang="ja-JP" i="0" dirty="0">
                 <a:solidFill>
                   <a:srgbClr val="202122"/>
                 </a:solidFill>
@@ -3883,7 +3892,7 @@
               <a:t>Johannes </a:t>
             </a:r>
             <a:r>
-              <a:rPr lang="en-US" altLang="ja-JP" b="1" i="0" dirty="0" err="1">
+              <a:rPr lang="en-US" altLang="ja-JP" i="0" dirty="0" err="1">
                 <a:solidFill>
                   <a:srgbClr val="202122"/>
                 </a:solidFill>
@@ -3893,7 +3902,7 @@
               <a:t>Itten</a:t>
             </a:r>
             <a:r>
-              <a:rPr lang="en-US" altLang="ja-JP" b="1" i="0" dirty="0">
+              <a:rPr lang="en-US" altLang="ja-JP" i="0" dirty="0">
                 <a:solidFill>
                   <a:srgbClr val="202122"/>
                 </a:solidFill>
@@ -3921,7 +3930,7 @@
         <p:spPr>
           <a:xfrm>
             <a:off x="5250635" y="2330791"/>
-            <a:ext cx="7620000" cy="369332"/>
+            <a:ext cx="3785789" cy="369332"/>
           </a:xfrm>
           <a:prstGeom prst="rect">
             <a:avLst/>
@@ -3935,24 +3944,14 @@
           <a:lstStyle/>
           <a:p>
             <a:r>
-              <a:rPr lang="en-US" altLang="ja-JP" b="1" i="0" dirty="0">
+              <a:rPr lang="en-US" altLang="ja-JP" i="0" dirty="0">
                 <a:solidFill>
                   <a:srgbClr val="202122"/>
                 </a:solidFill>
                 <a:effectLst/>
                 <a:latin typeface="Arial" panose="020B0604020202020204" pitchFamily="34" charset="0"/>
               </a:rPr>
-              <a:t>Albert Henry Munsell</a:t>
-            </a:r>
-            <a:r>
-              <a:rPr lang="en-US" altLang="ja-JP" b="0" i="0" dirty="0">
-                <a:solidFill>
-                  <a:srgbClr val="202122"/>
-                </a:solidFill>
-                <a:effectLst/>
-                <a:latin typeface="Arial" panose="020B0604020202020204" pitchFamily="34" charset="0"/>
-              </a:rPr>
-              <a:t> </a:t>
+              <a:t>Albert Henry Munsell </a:t>
             </a:r>
             <a:r>
               <a:rPr lang="en-US" altLang="ja-JP" dirty="0">
@@ -3964,7 +3963,7 @@
               <a:t>(</a:t>
             </a:r>
             <a:r>
-              <a:rPr lang="en-US" altLang="ja-JP" b="0" i="0" dirty="0">
+              <a:rPr lang="en-US" altLang="ja-JP" i="0" dirty="0">
                 <a:solidFill>
                   <a:srgbClr val="202122"/>
                 </a:solidFill>
@@ -4059,12 +4058,48 @@
           <a:chExt cx="0" cy="0"/>
         </a:xfrm>
       </p:grpSpPr>
+      <p:pic>
+        <p:nvPicPr>
+          <p:cNvPr id="4" name="animation">
+            <a:hlinkClick r:id="" action="ppaction://media"/>
+            <a:extLst>
+              <a:ext uri="{FF2B5EF4-FFF2-40B4-BE49-F238E27FC236}">
+                <a16:creationId xmlns:a16="http://schemas.microsoft.com/office/drawing/2014/main" id="{E2867AD3-85FA-A392-9B11-28CD7202C390}"/>
+              </a:ext>
+            </a:extLst>
+          </p:cNvPr>
+          <p:cNvPicPr>
+            <a:picLocks noGrp="1" noChangeAspect="1"/>
+          </p:cNvPicPr>
+          <p:nvPr>
+            <p:ph idx="1"/>
+            <a:videoFile r:link="rId2"/>
+            <p:extLst>
+              <p:ext uri="{DAA4B4D4-6D71-4841-9C94-3DE7FCFB9230}">
+                <p14:media xmlns:p14="http://schemas.microsoft.com/office/powerpoint/2010/main" r:embed="rId1"/>
+              </p:ext>
+            </p:extLst>
+          </p:nvPr>
+        </p:nvPicPr>
+        <p:blipFill>
+          <a:blip r:embed="rId4"/>
+          <a:stretch>
+            <a:fillRect/>
+          </a:stretch>
+        </p:blipFill>
+        <p:spPr>
+          <a:xfrm>
+            <a:off x="4436269" y="1069976"/>
+            <a:ext cx="7903591" cy="5927154"/>
+          </a:xfrm>
+        </p:spPr>
+      </p:pic>
       <p:sp>
         <p:nvSpPr>
           <p:cNvPr id="2" name="タイトル 1">
             <a:extLst>
               <a:ext uri="{FF2B5EF4-FFF2-40B4-BE49-F238E27FC236}">
-                <a16:creationId xmlns:a16="http://schemas.microsoft.com/office/drawing/2014/main" id="{FC78249C-BE8C-EEA5-D4D8-E893A44E5034}"/>
+                <a16:creationId xmlns:a16="http://schemas.microsoft.com/office/drawing/2014/main" id="{0D791D4B-F36B-A537-88AA-73762B7A94DE}"/>
               </a:ext>
             </a:extLst>
           </p:cNvPr>
@@ -4081,50 +4116,158 @@
           <a:lstStyle/>
           <a:p>
             <a:r>
-              <a:rPr kumimoji="1" lang="ja-JP" altLang="en-US" dirty="0"/>
-              <a:t>実際に試してみる</a:t>
-            </a:r>
-          </a:p>
-        </p:txBody>
-      </p:sp>
-      <p:sp>
-        <p:nvSpPr>
-          <p:cNvPr id="3" name="コンテンツ プレースホルダー 2">
-            <a:extLst>
-              <a:ext uri="{FF2B5EF4-FFF2-40B4-BE49-F238E27FC236}">
-                <a16:creationId xmlns:a16="http://schemas.microsoft.com/office/drawing/2014/main" id="{FD8BAE3D-F83A-02F6-7A54-678504862807}"/>
-              </a:ext>
-            </a:extLst>
-          </p:cNvPr>
-          <p:cNvSpPr>
-            <a:spLocks noGrp="1"/>
-          </p:cNvSpPr>
-          <p:nvPr>
-            <p:ph idx="1"/>
-          </p:nvPr>
-        </p:nvSpPr>
-        <p:spPr/>
-        <p:txBody>
-          <a:bodyPr/>
-          <a:lstStyle/>
-          <a:p>
-            <a:r>
-              <a:rPr kumimoji="1" lang="ja-JP" altLang="en-US" dirty="0"/>
-              <a:t>今日の服はこれで選んできましたみたいなデモができたら面白い</a:t>
-            </a:r>
+              <a:rPr lang="ja-JP" altLang="en-US" dirty="0"/>
+              <a:t>ニューラルネットワークで色空間を変換</a:t>
+            </a:r>
+            <a:endParaRPr kumimoji="1" lang="ja-JP" altLang="en-US" dirty="0"/>
           </a:p>
         </p:txBody>
       </p:sp>
     </p:spTree>
     <p:extLst>
       <p:ext uri="{BB962C8B-B14F-4D97-AF65-F5344CB8AC3E}">
-        <p14:creationId xmlns:p14="http://schemas.microsoft.com/office/powerpoint/2010/main" val="1742298178"/>
+        <p14:creationId xmlns:p14="http://schemas.microsoft.com/office/powerpoint/2010/main" val="2257108338"/>
       </p:ext>
     </p:extLst>
   </p:cSld>
   <p:clrMapOvr>
     <a:masterClrMapping/>
   </p:clrMapOvr>
+  <p:timing>
+    <p:tnLst>
+      <p:par>
+        <p:cTn id="1" dur="indefinite" restart="never" nodeType="tmRoot">
+          <p:childTnLst>
+            <p:seq concurrent="1" nextAc="seek">
+              <p:cTn id="2" dur="indefinite" nodeType="mainSeq">
+                <p:childTnLst>
+                  <p:par>
+                    <p:cTn id="3" fill="hold">
+                      <p:stCondLst>
+                        <p:cond delay="indefinite"/>
+                      </p:stCondLst>
+                      <p:childTnLst>
+                        <p:par>
+                          <p:cTn id="4" fill="hold">
+                            <p:stCondLst>
+                              <p:cond delay="0"/>
+                            </p:stCondLst>
+                            <p:childTnLst>
+                              <p:par>
+                                <p:cTn id="5" presetID="1" presetClass="mediacall" presetSubtype="0" fill="hold" nodeType="clickEffect">
+                                  <p:stCondLst>
+                                    <p:cond delay="0"/>
+                                  </p:stCondLst>
+                                  <p:childTnLst>
+                                    <p:cmd type="call" cmd="playFrom(0.0)">
+                                      <p:cBhvr>
+                                        <p:cTn id="6" dur="12000" fill="hold"/>
+                                        <p:tgtEl>
+                                          <p:spTgt spid="4"/>
+                                        </p:tgtEl>
+                                      </p:cBhvr>
+                                    </p:cmd>
+                                  </p:childTnLst>
+                                </p:cTn>
+                              </p:par>
+                            </p:childTnLst>
+                          </p:cTn>
+                        </p:par>
+                      </p:childTnLst>
+                    </p:cTn>
+                  </p:par>
+                </p:childTnLst>
+              </p:cTn>
+              <p:prevCondLst>
+                <p:cond evt="onPrev" delay="0">
+                  <p:tgtEl>
+                    <p:sldTgt/>
+                  </p:tgtEl>
+                </p:cond>
+              </p:prevCondLst>
+              <p:nextCondLst>
+                <p:cond evt="onNext" delay="0">
+                  <p:tgtEl>
+                    <p:sldTgt/>
+                  </p:tgtEl>
+                </p:cond>
+              </p:nextCondLst>
+            </p:seq>
+            <p:video>
+              <p:cMediaNode vol="80000">
+                <p:cTn id="7" fill="hold" display="0">
+                  <p:stCondLst>
+                    <p:cond delay="indefinite"/>
+                  </p:stCondLst>
+                </p:cTn>
+                <p:tgtEl>
+                  <p:spTgt spid="4"/>
+                </p:tgtEl>
+              </p:cMediaNode>
+            </p:video>
+            <p:seq concurrent="1" nextAc="seek">
+              <p:cTn id="8" restart="whenNotActive" fill="hold" evtFilter="cancelBubble" nodeType="interactiveSeq">
+                <p:stCondLst>
+                  <p:cond evt="onClick" delay="0">
+                    <p:tgtEl>
+                      <p:spTgt spid="4"/>
+                    </p:tgtEl>
+                  </p:cond>
+                </p:stCondLst>
+                <p:endSync evt="end" delay="0">
+                  <p:rtn val="all"/>
+                </p:endSync>
+                <p:childTnLst>
+                  <p:par>
+                    <p:cTn id="9" fill="hold">
+                      <p:stCondLst>
+                        <p:cond delay="0"/>
+                      </p:stCondLst>
+                      <p:childTnLst>
+                        <p:par>
+                          <p:cTn id="10" fill="hold">
+                            <p:stCondLst>
+                              <p:cond delay="0"/>
+                            </p:stCondLst>
+                            <p:childTnLst>
+                              <p:par>
+                                <p:cTn id="11" presetID="2" presetClass="mediacall" presetSubtype="0" fill="hold" nodeType="clickEffect">
+                                  <p:stCondLst>
+                                    <p:cond delay="0"/>
+                                  </p:stCondLst>
+                                  <p:childTnLst>
+                                    <p:cmd type="call" cmd="togglePause">
+                                      <p:cBhvr>
+                                        <p:cTn id="12" dur="1" fill="hold"/>
+                                        <p:tgtEl>
+                                          <p:spTgt spid="4"/>
+                                        </p:tgtEl>
+                                      </p:cBhvr>
+                                    </p:cmd>
+                                  </p:childTnLst>
+                                </p:cTn>
+                              </p:par>
+                            </p:childTnLst>
+                          </p:cTn>
+                        </p:par>
+                      </p:childTnLst>
+                    </p:cTn>
+                  </p:par>
+                </p:childTnLst>
+              </p:cTn>
+              <p:nextCondLst>
+                <p:cond evt="onClick" delay="0">
+                  <p:tgtEl>
+                    <p:spTgt spid="4"/>
+                  </p:tgtEl>
+                </p:cond>
+              </p:nextCondLst>
+            </p:seq>
+          </p:childTnLst>
+        </p:cTn>
+      </p:par>
+    </p:tnLst>
+  </p:timing>
 </p:sld>
 </file>
 
@@ -4150,6 +4293,92 @@
           <p:cNvPr id="2" name="タイトル 1">
             <a:extLst>
               <a:ext uri="{FF2B5EF4-FFF2-40B4-BE49-F238E27FC236}">
+                <a16:creationId xmlns:a16="http://schemas.microsoft.com/office/drawing/2014/main" id="{FC78249C-BE8C-EEA5-D4D8-E893A44E5034}"/>
+              </a:ext>
+            </a:extLst>
+          </p:cNvPr>
+          <p:cNvSpPr>
+            <a:spLocks noGrp="1"/>
+          </p:cNvSpPr>
+          <p:nvPr>
+            <p:ph type="title"/>
+          </p:nvPr>
+        </p:nvSpPr>
+        <p:spPr/>
+        <p:txBody>
+          <a:bodyPr/>
+          <a:lstStyle/>
+          <a:p>
+            <a:r>
+              <a:rPr kumimoji="1" lang="ja-JP" altLang="en-US" dirty="0"/>
+              <a:t>実際に試してみる</a:t>
+            </a:r>
+          </a:p>
+        </p:txBody>
+      </p:sp>
+      <p:sp>
+        <p:nvSpPr>
+          <p:cNvPr id="3" name="コンテンツ プレースホルダー 2">
+            <a:extLst>
+              <a:ext uri="{FF2B5EF4-FFF2-40B4-BE49-F238E27FC236}">
+                <a16:creationId xmlns:a16="http://schemas.microsoft.com/office/drawing/2014/main" id="{FD8BAE3D-F83A-02F6-7A54-678504862807}"/>
+              </a:ext>
+            </a:extLst>
+          </p:cNvPr>
+          <p:cNvSpPr>
+            <a:spLocks noGrp="1"/>
+          </p:cNvSpPr>
+          <p:nvPr>
+            <p:ph idx="1"/>
+          </p:nvPr>
+        </p:nvSpPr>
+        <p:spPr/>
+        <p:txBody>
+          <a:bodyPr/>
+          <a:lstStyle/>
+          <a:p>
+            <a:r>
+              <a:rPr kumimoji="1" lang="ja-JP" altLang="en-US" dirty="0"/>
+              <a:t>今日の服はこれで選んできましたみたいなデモができたら面白い</a:t>
+            </a:r>
+          </a:p>
+        </p:txBody>
+      </p:sp>
+    </p:spTree>
+    <p:extLst>
+      <p:ext uri="{BB962C8B-B14F-4D97-AF65-F5344CB8AC3E}">
+        <p14:creationId xmlns:p14="http://schemas.microsoft.com/office/powerpoint/2010/main" val="1742298178"/>
+      </p:ext>
+    </p:extLst>
+  </p:cSld>
+  <p:clrMapOvr>
+    <a:masterClrMapping/>
+  </p:clrMapOvr>
+</p:sld>
+</file>
+
+<file path=ppt/slides/slide5.xml><?xml version="1.0" encoding="utf-8"?>
+<p:sld xmlns:a="http://schemas.openxmlformats.org/drawingml/2006/main" xmlns:r="http://schemas.openxmlformats.org/officeDocument/2006/relationships" xmlns:p="http://schemas.openxmlformats.org/presentationml/2006/main">
+  <p:cSld>
+    <p:spTree>
+      <p:nvGrpSpPr>
+        <p:cNvPr id="1" name=""/>
+        <p:cNvGrpSpPr/>
+        <p:nvPr/>
+      </p:nvGrpSpPr>
+      <p:grpSpPr>
+        <a:xfrm>
+          <a:off x="0" y="0"/>
+          <a:ext cx="0" cy="0"/>
+          <a:chOff x="0" y="0"/>
+          <a:chExt cx="0" cy="0"/>
+        </a:xfrm>
+      </p:grpSpPr>
+      <p:sp>
+        <p:nvSpPr>
+          <p:cNvPr id="2" name="タイトル 1">
+            <a:extLst>
+              <a:ext uri="{FF2B5EF4-FFF2-40B4-BE49-F238E27FC236}">
                 <a16:creationId xmlns:a16="http://schemas.microsoft.com/office/drawing/2014/main" id="{4B5442F1-81B5-8515-5A93-7D4E5182E8C9}"/>
               </a:ext>
             </a:extLst>
@@ -4305,6 +4534,53 @@
           </a:p>
         </p:txBody>
       </p:sp>
+      <p:pic>
+        <p:nvPicPr>
+          <p:cNvPr id="1026" name="Picture 2">
+            <a:extLst>
+              <a:ext uri="{FF2B5EF4-FFF2-40B4-BE49-F238E27FC236}">
+                <a16:creationId xmlns:a16="http://schemas.microsoft.com/office/drawing/2014/main" id="{0DB25A8C-B23E-8392-BC8D-423523A3C585}"/>
+              </a:ext>
+            </a:extLst>
+          </p:cNvPr>
+          <p:cNvPicPr>
+            <a:picLocks noChangeAspect="1" noChangeArrowheads="1"/>
+          </p:cNvPicPr>
+          <p:nvPr/>
+        </p:nvPicPr>
+        <p:blipFill>
+          <a:blip r:embed="rId3">
+            <a:extLst>
+              <a:ext uri="{28A0092B-C50C-407E-A947-70E740481C1C}">
+                <a14:useLocalDpi xmlns:a14="http://schemas.microsoft.com/office/drawing/2010/main" val="0"/>
+              </a:ext>
+            </a:extLst>
+          </a:blip>
+          <a:srcRect/>
+          <a:stretch>
+            <a:fillRect/>
+          </a:stretch>
+        </p:blipFill>
+        <p:spPr bwMode="auto">
+          <a:xfrm>
+            <a:off x="4675602" y="2477294"/>
+            <a:ext cx="3048000" cy="3048000"/>
+          </a:xfrm>
+          <a:prstGeom prst="rect">
+            <a:avLst/>
+          </a:prstGeom>
+          <a:noFill/>
+          <a:extLst>
+            <a:ext uri="{909E8E84-426E-40DD-AFC4-6F175D3DCCD1}">
+              <a14:hiddenFill xmlns:a14="http://schemas.microsoft.com/office/drawing/2010/main">
+                <a:solidFill>
+                  <a:srgbClr val="FFFFFF"/>
+                </a:solidFill>
+              </a14:hiddenFill>
+            </a:ext>
+          </a:extLst>
+        </p:spPr>
+      </p:pic>
     </p:spTree>
     <p:extLst>
       <p:ext uri="{BB962C8B-B14F-4D97-AF65-F5344CB8AC3E}">

--- a/slide.pptx
+++ b/slide.pptx
@@ -263,7 +263,7 @@
           <a:p>
             <a:fld id="{0C102467-998D-41BA-9CC0-86B847000C38}" type="datetimeFigureOut">
               <a:rPr kumimoji="1" lang="ja-JP" altLang="en-US" smtClean="0"/>
-              <a:t>2024/1/18</a:t>
+              <a:t>2024/1/19</a:t>
             </a:fld>
             <a:endParaRPr kumimoji="1" lang="ja-JP" altLang="en-US"/>
           </a:p>
@@ -493,7 +493,7 @@
           <a:p>
             <a:fld id="{0C102467-998D-41BA-9CC0-86B847000C38}" type="datetimeFigureOut">
               <a:rPr kumimoji="1" lang="ja-JP" altLang="en-US" smtClean="0"/>
-              <a:t>2024/1/18</a:t>
+              <a:t>2024/1/19</a:t>
             </a:fld>
             <a:endParaRPr kumimoji="1" lang="ja-JP" altLang="en-US"/>
           </a:p>
@@ -733,7 +733,7 @@
           <a:p>
             <a:fld id="{0C102467-998D-41BA-9CC0-86B847000C38}" type="datetimeFigureOut">
               <a:rPr kumimoji="1" lang="ja-JP" altLang="en-US" smtClean="0"/>
-              <a:t>2024/1/18</a:t>
+              <a:t>2024/1/19</a:t>
             </a:fld>
             <a:endParaRPr kumimoji="1" lang="ja-JP" altLang="en-US"/>
           </a:p>
@@ -963,7 +963,7 @@
           <a:p>
             <a:fld id="{0C102467-998D-41BA-9CC0-86B847000C38}" type="datetimeFigureOut">
               <a:rPr kumimoji="1" lang="ja-JP" altLang="en-US" smtClean="0"/>
-              <a:t>2024/1/18</a:t>
+              <a:t>2024/1/19</a:t>
             </a:fld>
             <a:endParaRPr kumimoji="1" lang="ja-JP" altLang="en-US"/>
           </a:p>
@@ -1238,7 +1238,7 @@
           <a:p>
             <a:fld id="{0C102467-998D-41BA-9CC0-86B847000C38}" type="datetimeFigureOut">
               <a:rPr kumimoji="1" lang="ja-JP" altLang="en-US" smtClean="0"/>
-              <a:t>2024/1/18</a:t>
+              <a:t>2024/1/19</a:t>
             </a:fld>
             <a:endParaRPr kumimoji="1" lang="ja-JP" altLang="en-US"/>
           </a:p>
@@ -1567,7 +1567,7 @@
           <a:p>
             <a:fld id="{0C102467-998D-41BA-9CC0-86B847000C38}" type="datetimeFigureOut">
               <a:rPr kumimoji="1" lang="ja-JP" altLang="en-US" smtClean="0"/>
-              <a:t>2024/1/18</a:t>
+              <a:t>2024/1/19</a:t>
             </a:fld>
             <a:endParaRPr kumimoji="1" lang="ja-JP" altLang="en-US"/>
           </a:p>
@@ -2043,7 +2043,7 @@
           <a:p>
             <a:fld id="{0C102467-998D-41BA-9CC0-86B847000C38}" type="datetimeFigureOut">
               <a:rPr kumimoji="1" lang="ja-JP" altLang="en-US" smtClean="0"/>
-              <a:t>2024/1/18</a:t>
+              <a:t>2024/1/19</a:t>
             </a:fld>
             <a:endParaRPr kumimoji="1" lang="ja-JP" altLang="en-US"/>
           </a:p>
@@ -2184,7 +2184,7 @@
           <a:p>
             <a:fld id="{0C102467-998D-41BA-9CC0-86B847000C38}" type="datetimeFigureOut">
               <a:rPr kumimoji="1" lang="ja-JP" altLang="en-US" smtClean="0"/>
-              <a:t>2024/1/18</a:t>
+              <a:t>2024/1/19</a:t>
             </a:fld>
             <a:endParaRPr kumimoji="1" lang="ja-JP" altLang="en-US"/>
           </a:p>
@@ -2297,7 +2297,7 @@
           <a:p>
             <a:fld id="{0C102467-998D-41BA-9CC0-86B847000C38}" type="datetimeFigureOut">
               <a:rPr kumimoji="1" lang="ja-JP" altLang="en-US" smtClean="0"/>
-              <a:t>2024/1/18</a:t>
+              <a:t>2024/1/19</a:t>
             </a:fld>
             <a:endParaRPr kumimoji="1" lang="ja-JP" altLang="en-US"/>
           </a:p>
@@ -2640,7 +2640,7 @@
           <a:p>
             <a:fld id="{0C102467-998D-41BA-9CC0-86B847000C38}" type="datetimeFigureOut">
               <a:rPr kumimoji="1" lang="ja-JP" altLang="en-US" smtClean="0"/>
-              <a:t>2024/1/18</a:t>
+              <a:t>2024/1/19</a:t>
             </a:fld>
             <a:endParaRPr kumimoji="1" lang="ja-JP" altLang="en-US"/>
           </a:p>
@@ -2928,7 +2928,7 @@
           <a:p>
             <a:fld id="{0C102467-998D-41BA-9CC0-86B847000C38}" type="datetimeFigureOut">
               <a:rPr kumimoji="1" lang="ja-JP" altLang="en-US" smtClean="0"/>
-              <a:t>2024/1/18</a:t>
+              <a:t>2024/1/19</a:t>
             </a:fld>
             <a:endParaRPr kumimoji="1" lang="ja-JP" altLang="en-US"/>
           </a:p>
@@ -3201,7 +3201,7 @@
           <a:p>
             <a:fld id="{0C102467-998D-41BA-9CC0-86B847000C38}" type="datetimeFigureOut">
               <a:rPr kumimoji="1" lang="ja-JP" altLang="en-US" smtClean="0"/>
-              <a:t>2024/1/18</a:t>
+              <a:t>2024/1/19</a:t>
             </a:fld>
             <a:endParaRPr kumimoji="1" lang="ja-JP" altLang="en-US"/>
           </a:p>
@@ -3725,17 +3725,46 @@
           <a:p>
             <a:r>
               <a:rPr kumimoji="1" lang="ja-JP" altLang="en-US" dirty="0"/>
-              <a:t>マンセル色立体とイッテンの色彩論</a:t>
-            </a:r>
+              <a:t>マンセル色立体とジャッドの色彩論</a:t>
+            </a:r>
+          </a:p>
+        </p:txBody>
+      </p:sp>
+      <p:sp>
+        <p:nvSpPr>
+          <p:cNvPr id="6" name="コンテンツ プレースホルダー 5">
+            <a:extLst>
+              <a:ext uri="{FF2B5EF4-FFF2-40B4-BE49-F238E27FC236}">
+                <a16:creationId xmlns:a16="http://schemas.microsoft.com/office/drawing/2014/main" id="{A85B049F-AF81-ECC3-F5DE-2127F7AC43AB}"/>
+              </a:ext>
+            </a:extLst>
+          </p:cNvPr>
+          <p:cNvSpPr>
+            <a:spLocks noGrp="1"/>
+          </p:cNvSpPr>
+          <p:nvPr>
+            <p:ph idx="1"/>
+          </p:nvPr>
+        </p:nvSpPr>
+        <p:spPr/>
+        <p:txBody>
+          <a:bodyPr/>
+          <a:lstStyle/>
+          <a:p>
+            <a:r>
+              <a:rPr lang="ja-JP" altLang="en-US" dirty="0"/>
+              <a:t>色を良い感じにする</a:t>
+            </a:r>
+            <a:endParaRPr lang="en-US" altLang="ja-JP" dirty="0"/>
           </a:p>
         </p:txBody>
       </p:sp>
       <p:pic>
         <p:nvPicPr>
-          <p:cNvPr id="1026" name="Picture 2">
-            <a:extLst>
-              <a:ext uri="{FF2B5EF4-FFF2-40B4-BE49-F238E27FC236}">
-                <a16:creationId xmlns:a16="http://schemas.microsoft.com/office/drawing/2014/main" id="{164872B0-E958-780D-907D-9A0574F6C836}"/>
+          <p:cNvPr id="1028" name="Picture 4">
+            <a:extLst>
+              <a:ext uri="{FF2B5EF4-FFF2-40B4-BE49-F238E27FC236}">
+                <a16:creationId xmlns:a16="http://schemas.microsoft.com/office/drawing/2014/main" id="{90CF9765-C3ED-B4F1-237A-42C62F2028E3}"/>
               </a:ext>
             </a:extLst>
           </p:cNvPr>
@@ -3745,7 +3774,7 @@
           <p:nvPr/>
         </p:nvPicPr>
         <p:blipFill>
-          <a:blip r:embed="rId2">
+          <a:blip r:embed="rId4">
             <a:extLst>
               <a:ext uri="{28A0092B-C50C-407E-A947-70E740481C1C}">
                 <a14:useLocalDpi xmlns:a14="http://schemas.microsoft.com/office/drawing/2010/main" val="0"/>
@@ -3759,83 +3788,7 @@
         </p:blipFill>
         <p:spPr bwMode="auto">
           <a:xfrm>
-            <a:off x="5250635" y="2700123"/>
-            <a:ext cx="3838575" cy="4157877"/>
-          </a:xfrm>
-          <a:prstGeom prst="rect">
-            <a:avLst/>
-          </a:prstGeom>
-          <a:noFill/>
-          <a:extLst>
-            <a:ext uri="{909E8E84-426E-40DD-AFC4-6F175D3DCCD1}">
-              <a14:hiddenFill xmlns:a14="http://schemas.microsoft.com/office/drawing/2010/main">
-                <a:solidFill>
-                  <a:srgbClr val="FFFFFF"/>
-                </a:solidFill>
-              </a14:hiddenFill>
-            </a:ext>
-          </a:extLst>
-        </p:spPr>
-      </p:pic>
-      <p:sp>
-        <p:nvSpPr>
-          <p:cNvPr id="6" name="コンテンツ プレースホルダー 5">
-            <a:extLst>
-              <a:ext uri="{FF2B5EF4-FFF2-40B4-BE49-F238E27FC236}">
-                <a16:creationId xmlns:a16="http://schemas.microsoft.com/office/drawing/2014/main" id="{A85B049F-AF81-ECC3-F5DE-2127F7AC43AB}"/>
-              </a:ext>
-            </a:extLst>
-          </p:cNvPr>
-          <p:cNvSpPr>
-            <a:spLocks noGrp="1"/>
-          </p:cNvSpPr>
-          <p:nvPr>
-            <p:ph idx="1"/>
-          </p:nvPr>
-        </p:nvSpPr>
-        <p:spPr/>
-        <p:txBody>
-          <a:bodyPr/>
-          <a:lstStyle/>
-          <a:p>
-            <a:r>
-              <a:rPr lang="ja-JP" altLang="en-US" dirty="0"/>
-              <a:t>色を良い感じにする</a:t>
-            </a:r>
-            <a:endParaRPr lang="en-US" altLang="ja-JP" dirty="0"/>
-          </a:p>
-        </p:txBody>
-      </p:sp>
-      <p:pic>
-        <p:nvPicPr>
-          <p:cNvPr id="1028" name="Picture 4">
-            <a:extLst>
-              <a:ext uri="{FF2B5EF4-FFF2-40B4-BE49-F238E27FC236}">
-                <a16:creationId xmlns:a16="http://schemas.microsoft.com/office/drawing/2014/main" id="{90CF9765-C3ED-B4F1-237A-42C62F2028E3}"/>
-              </a:ext>
-            </a:extLst>
-          </p:cNvPr>
-          <p:cNvPicPr>
-            <a:picLocks noChangeAspect="1" noChangeArrowheads="1"/>
-          </p:cNvPicPr>
-          <p:nvPr/>
-        </p:nvPicPr>
-        <p:blipFill>
-          <a:blip r:embed="rId3">
-            <a:extLst>
-              <a:ext uri="{28A0092B-C50C-407E-A947-70E740481C1C}">
-                <a14:useLocalDpi xmlns:a14="http://schemas.microsoft.com/office/drawing/2010/main" val="0"/>
-              </a:ext>
-            </a:extLst>
-          </a:blip>
-          <a:srcRect/>
-          <a:stretch>
-            <a:fillRect/>
-          </a:stretch>
-        </p:blipFill>
-        <p:spPr bwMode="auto">
-          <a:xfrm>
-            <a:off x="9089210" y="2700123"/>
+            <a:off x="12469822" y="2918488"/>
             <a:ext cx="3102790" cy="4157877"/>
           </a:xfrm>
           <a:prstGeom prst="rect">
@@ -3867,7 +3820,7 @@
         </p:nvSpPr>
         <p:spPr>
           <a:xfrm>
-            <a:off x="9144000" y="2330791"/>
+            <a:off x="12417036" y="2556741"/>
             <a:ext cx="3100786" cy="369332"/>
           </a:xfrm>
           <a:prstGeom prst="rect">
@@ -3917,10 +3870,10 @@
       </p:sp>
       <p:sp>
         <p:nvSpPr>
-          <p:cNvPr id="10" name="テキスト ボックス 9">
-            <a:extLst>
-              <a:ext uri="{FF2B5EF4-FFF2-40B4-BE49-F238E27FC236}">
-                <a16:creationId xmlns:a16="http://schemas.microsoft.com/office/drawing/2014/main" id="{0C2B8FBA-B46B-B4B5-A1B4-0FBFEDA8195B}"/>
+          <p:cNvPr id="5" name="テキスト ボックス 4">
+            <a:extLst>
+              <a:ext uri="{FF2B5EF4-FFF2-40B4-BE49-F238E27FC236}">
+                <a16:creationId xmlns:a16="http://schemas.microsoft.com/office/drawing/2014/main" id="{926C19ED-4E89-1E3E-C7E1-D1E34DE7D600}"/>
               </a:ext>
             </a:extLst>
           </p:cNvPr>
@@ -3928,14 +3881,27 @@
           <p:nvPr/>
         </p:nvSpPr>
         <p:spPr>
-          <a:xfrm>
-            <a:off x="5250635" y="2330791"/>
-            <a:ext cx="3785789" cy="369332"/>
+          <a:xfrm rot="10800000" flipV="1">
+            <a:off x="12522608" y="6502371"/>
+            <a:ext cx="3102790" cy="577081"/>
           </a:xfrm>
           <a:prstGeom prst="rect">
             <a:avLst/>
           </a:prstGeom>
           <a:noFill/>
+          <a:effectLst>
+            <a:glow rad="228600">
+              <a:schemeClr val="accent4">
+                <a:satMod val="175000"/>
+                <a:alpha val="40000"/>
+              </a:schemeClr>
+            </a:glow>
+            <a:outerShdw blurRad="50800" dist="38100" dir="2700000" algn="tl" rotWithShape="0">
+              <a:prstClr val="black">
+                <a:alpha val="40000"/>
+              </a:prstClr>
+            </a:outerShdw>
+          </a:effectLst>
         </p:spPr>
         <p:txBody>
           <a:bodyPr wrap="square">
@@ -3944,90 +3910,422 @@
           <a:lstStyle/>
           <a:p>
             <a:r>
-              <a:rPr lang="en-US" altLang="ja-JP" i="0" dirty="0">
+              <a:rPr lang="ja-JP" altLang="en-US" sz="1050" i="0" dirty="0">
                 <a:solidFill>
-                  <a:srgbClr val="202122"/>
+                  <a:schemeClr val="bg1"/>
                 </a:solidFill>
                 <a:effectLst/>
                 <a:latin typeface="Arial" panose="020B0604020202020204" pitchFamily="34" charset="0"/>
               </a:rPr>
-              <a:t>Albert Henry Munsell </a:t>
-            </a:r>
-            <a:r>
-              <a:rPr lang="en-US" altLang="ja-JP" dirty="0">
+              <a:t>引用</a:t>
+            </a:r>
+            <a:r>
+              <a:rPr lang="en-US" altLang="ja-JP" sz="1050" i="0" dirty="0">
                 <a:solidFill>
-                  <a:srgbClr val="202122"/>
-                </a:solidFill>
-                <a:latin typeface="Arial" panose="020B0604020202020204" pitchFamily="34" charset="0"/>
-              </a:rPr>
-              <a:t>(</a:t>
-            </a:r>
-            <a:r>
-              <a:rPr lang="en-US" altLang="ja-JP" i="0" dirty="0">
-                <a:solidFill>
-                  <a:srgbClr val="202122"/>
+                  <a:schemeClr val="bg1"/>
                 </a:solidFill>
                 <a:effectLst/>
                 <a:latin typeface="Arial" panose="020B0604020202020204" pitchFamily="34" charset="0"/>
               </a:rPr>
-              <a:t>1858-1918)</a:t>
-            </a:r>
-            <a:endParaRPr lang="ja-JP" altLang="en-US" dirty="0"/>
-          </a:p>
-        </p:txBody>
-      </p:sp>
-      <p:sp>
-        <p:nvSpPr>
-          <p:cNvPr id="3" name="吹き出し: 四角形 2">
-            <a:extLst>
-              <a:ext uri="{FF2B5EF4-FFF2-40B4-BE49-F238E27FC236}">
-                <a16:creationId xmlns:a16="http://schemas.microsoft.com/office/drawing/2014/main" id="{58CA3B9C-86F9-9033-4129-DB0A928D8E36}"/>
-              </a:ext>
-            </a:extLst>
-          </p:cNvPr>
-          <p:cNvSpPr/>
+              <a:t>:</a:t>
+            </a:r>
+            <a:r>
+              <a:rPr lang="az-Cyrl-AZ" altLang="ja-JP" sz="1050" i="0" dirty="0">
+                <a:solidFill>
+                  <a:schemeClr val="bg1"/>
+                </a:solidFill>
+                <a:effectLst/>
+                <a:latin typeface="Arial" panose="020B0604020202020204" pitchFamily="34" charset="0"/>
+              </a:rPr>
+              <a:t>копия из книги </a:t>
+            </a:r>
+            <a:r>
+              <a:rPr lang="en-US" altLang="ja-JP" sz="1050" i="0" dirty="0">
+                <a:solidFill>
+                  <a:schemeClr val="bg1"/>
+                </a:solidFill>
+                <a:effectLst/>
+                <a:latin typeface="Arial" panose="020B0604020202020204" pitchFamily="34" charset="0"/>
+              </a:rPr>
+              <a:t>Bauhaus. Bauhaus </a:t>
+            </a:r>
+            <a:r>
+              <a:rPr lang="en-US" altLang="ja-JP" sz="1050" i="0" dirty="0" err="1">
+                <a:solidFill>
+                  <a:schemeClr val="bg1"/>
+                </a:solidFill>
+                <a:effectLst/>
+                <a:latin typeface="Arial" panose="020B0604020202020204" pitchFamily="34" charset="0"/>
+              </a:rPr>
+              <a:t>archiv</a:t>
+            </a:r>
+            <a:r>
+              <a:rPr lang="en-US" altLang="ja-JP" sz="1050" i="0" dirty="0">
+                <a:solidFill>
+                  <a:schemeClr val="bg1"/>
+                </a:solidFill>
+                <a:effectLst/>
+                <a:latin typeface="Arial" panose="020B0604020202020204" pitchFamily="34" charset="0"/>
+              </a:rPr>
+              <a:t>. 1919-1933. Magdalena </a:t>
+            </a:r>
+            <a:r>
+              <a:rPr lang="en-US" altLang="ja-JP" sz="1050" i="0" dirty="0" err="1">
+                <a:solidFill>
+                  <a:schemeClr val="bg1"/>
+                </a:solidFill>
+                <a:effectLst/>
+                <a:latin typeface="Arial" panose="020B0604020202020204" pitchFamily="34" charset="0"/>
+              </a:rPr>
+              <a:t>Droste</a:t>
+            </a:r>
+            <a:r>
+              <a:rPr lang="en-US" altLang="ja-JP" sz="1050" i="0" dirty="0">
+                <a:solidFill>
+                  <a:schemeClr val="bg1"/>
+                </a:solidFill>
+                <a:effectLst/>
+                <a:latin typeface="Arial" panose="020B0604020202020204" pitchFamily="34" charset="0"/>
+              </a:rPr>
+              <a:t>. Benedikt Taschen. 1990 ISBN 3-8228-0179-8</a:t>
+            </a:r>
+          </a:p>
+        </p:txBody>
+      </p:sp>
+      <p:grpSp>
+        <p:nvGrpSpPr>
+          <p:cNvPr id="12" name="グループ化 11">
+            <a:extLst>
+              <a:ext uri="{FF2B5EF4-FFF2-40B4-BE49-F238E27FC236}">
+                <a16:creationId xmlns:a16="http://schemas.microsoft.com/office/drawing/2014/main" id="{672E8258-3B00-E739-6179-74850E0902C0}"/>
+              </a:ext>
+            </a:extLst>
+          </p:cNvPr>
+          <p:cNvGrpSpPr/>
           <p:nvPr/>
-        </p:nvSpPr>
+        </p:nvGrpSpPr>
+        <p:grpSpPr>
+          <a:xfrm>
+            <a:off x="5308979" y="3111689"/>
+            <a:ext cx="7435684" cy="4751318"/>
+            <a:chOff x="3759052" y="2330791"/>
+            <a:chExt cx="8985612" cy="5741704"/>
+          </a:xfrm>
+        </p:grpSpPr>
+        <p:pic>
+          <p:nvPicPr>
+            <p:cNvPr id="7" name="Picture 2" descr="undefined">
+              <a:extLst>
+                <a:ext uri="{FF2B5EF4-FFF2-40B4-BE49-F238E27FC236}">
+                  <a16:creationId xmlns:a16="http://schemas.microsoft.com/office/drawing/2014/main" id="{8F4C7329-21A5-CA39-6B7B-A699EC45BDCA}"/>
+                </a:ext>
+              </a:extLst>
+            </p:cNvPr>
+            <p:cNvPicPr>
+              <a:picLocks noChangeAspect="1" noChangeArrowheads="1"/>
+            </p:cNvPicPr>
+            <p:nvPr/>
+          </p:nvPicPr>
+          <p:blipFill rotWithShape="1">
+            <a:blip r:embed="rId5">
+              <a:extLst>
+                <a:ext uri="{28A0092B-C50C-407E-A947-70E740481C1C}">
+                  <a14:useLocalDpi xmlns:a14="http://schemas.microsoft.com/office/drawing/2010/main" val="0"/>
+                </a:ext>
+              </a:extLst>
+            </a:blip>
+            <a:srcRect t="8158"/>
+            <a:stretch/>
+          </p:blipFill>
+          <p:spPr bwMode="auto">
+            <a:xfrm>
+              <a:off x="9075352" y="2700123"/>
+              <a:ext cx="3116648" cy="4157877"/>
+            </a:xfrm>
+            <a:prstGeom prst="rect">
+              <a:avLst/>
+            </a:prstGeom>
+            <a:noFill/>
+            <a:extLst>
+              <a:ext uri="{909E8E84-426E-40DD-AFC4-6F175D3DCCD1}">
+                <a14:hiddenFill xmlns:a14="http://schemas.microsoft.com/office/drawing/2010/main">
+                  <a:solidFill>
+                    <a:srgbClr val="FFFFFF"/>
+                  </a:solidFill>
+                </a14:hiddenFill>
+              </a:ext>
+            </a:extLst>
+          </p:spPr>
+        </p:pic>
+        <p:pic>
+          <p:nvPicPr>
+            <p:cNvPr id="1026" name="Picture 2">
+              <a:extLst>
+                <a:ext uri="{FF2B5EF4-FFF2-40B4-BE49-F238E27FC236}">
+                  <a16:creationId xmlns:a16="http://schemas.microsoft.com/office/drawing/2014/main" id="{164872B0-E958-780D-907D-9A0574F6C836}"/>
+                </a:ext>
+              </a:extLst>
+            </p:cNvPr>
+            <p:cNvPicPr>
+              <a:picLocks noChangeAspect="1" noChangeArrowheads="1"/>
+            </p:cNvPicPr>
+            <p:nvPr/>
+          </p:nvPicPr>
+          <p:blipFill>
+            <a:blip r:embed="rId6">
+              <a:extLst>
+                <a:ext uri="{28A0092B-C50C-407E-A947-70E740481C1C}">
+                  <a14:useLocalDpi xmlns:a14="http://schemas.microsoft.com/office/drawing/2010/main" val="0"/>
+                </a:ext>
+              </a:extLst>
+            </a:blip>
+            <a:srcRect/>
+            <a:stretch>
+              <a:fillRect/>
+            </a:stretch>
+          </p:blipFill>
+          <p:spPr bwMode="auto">
+            <a:xfrm>
+              <a:off x="5250635" y="2700123"/>
+              <a:ext cx="3838575" cy="4157877"/>
+            </a:xfrm>
+            <a:prstGeom prst="rect">
+              <a:avLst/>
+            </a:prstGeom>
+            <a:noFill/>
+            <a:extLst>
+              <a:ext uri="{909E8E84-426E-40DD-AFC4-6F175D3DCCD1}">
+                <a14:hiddenFill xmlns:a14="http://schemas.microsoft.com/office/drawing/2010/main">
+                  <a:solidFill>
+                    <a:srgbClr val="FFFFFF"/>
+                  </a:solidFill>
+                </a14:hiddenFill>
+              </a:ext>
+            </a:extLst>
+          </p:spPr>
+        </p:pic>
+        <p:sp>
+          <p:nvSpPr>
+            <p:cNvPr id="10" name="テキスト ボックス 9">
+              <a:extLst>
+                <a:ext uri="{FF2B5EF4-FFF2-40B4-BE49-F238E27FC236}">
+                  <a16:creationId xmlns:a16="http://schemas.microsoft.com/office/drawing/2014/main" id="{0C2B8FBA-B46B-B4B5-A1B4-0FBFEDA8195B}"/>
+                </a:ext>
+              </a:extLst>
+            </p:cNvPr>
+            <p:cNvSpPr txBox="1"/>
+            <p:nvPr/>
+          </p:nvSpPr>
+          <p:spPr>
+            <a:xfrm>
+              <a:off x="5250634" y="2330791"/>
+              <a:ext cx="3785790" cy="371931"/>
+            </a:xfrm>
+            <a:prstGeom prst="rect">
+              <a:avLst/>
+            </a:prstGeom>
+            <a:noFill/>
+          </p:spPr>
+          <p:txBody>
+            <a:bodyPr wrap="square">
+              <a:spAutoFit/>
+            </a:bodyPr>
+            <a:lstStyle/>
+            <a:p>
+              <a:r>
+                <a:rPr lang="en-US" altLang="ja-JP" sz="1400" i="0" dirty="0">
+                  <a:solidFill>
+                    <a:srgbClr val="202122"/>
+                  </a:solidFill>
+                  <a:effectLst/>
+                  <a:latin typeface="Arial" panose="020B0604020202020204" pitchFamily="34" charset="0"/>
+                </a:rPr>
+                <a:t>Albert Henry Munsell </a:t>
+              </a:r>
+              <a:r>
+                <a:rPr lang="en-US" altLang="ja-JP" sz="1400" dirty="0">
+                  <a:solidFill>
+                    <a:srgbClr val="202122"/>
+                  </a:solidFill>
+                  <a:latin typeface="Arial" panose="020B0604020202020204" pitchFamily="34" charset="0"/>
+                </a:rPr>
+                <a:t>(</a:t>
+              </a:r>
+              <a:r>
+                <a:rPr lang="en-US" altLang="ja-JP" sz="1400" i="0" dirty="0">
+                  <a:solidFill>
+                    <a:srgbClr val="202122"/>
+                  </a:solidFill>
+                  <a:effectLst/>
+                  <a:latin typeface="Arial" panose="020B0604020202020204" pitchFamily="34" charset="0"/>
+                </a:rPr>
+                <a:t>1858-1918)</a:t>
+              </a:r>
+              <a:endParaRPr lang="ja-JP" altLang="en-US" sz="1400" dirty="0"/>
+            </a:p>
+          </p:txBody>
+        </p:sp>
+        <p:sp>
+          <p:nvSpPr>
+            <p:cNvPr id="3" name="吹き出し: 四角形 2">
+              <a:extLst>
+                <a:ext uri="{FF2B5EF4-FFF2-40B4-BE49-F238E27FC236}">
+                  <a16:creationId xmlns:a16="http://schemas.microsoft.com/office/drawing/2014/main" id="{58CA3B9C-86F9-9033-4129-DB0A928D8E36}"/>
+                </a:ext>
+              </a:extLst>
+            </p:cNvPr>
+            <p:cNvSpPr/>
+            <p:nvPr/>
+          </p:nvSpPr>
+          <p:spPr>
+            <a:xfrm>
+              <a:off x="3759052" y="7329795"/>
+              <a:ext cx="2456792" cy="742700"/>
+            </a:xfrm>
+            <a:prstGeom prst="wedgeRectCallout">
+              <a:avLst>
+                <a:gd name="adj1" fmla="val 69054"/>
+                <a:gd name="adj2" fmla="val -45444"/>
+              </a:avLst>
+            </a:prstGeom>
+          </p:spPr>
+          <p:style>
+            <a:lnRef idx="2">
+              <a:schemeClr val="accent1">
+                <a:shade val="15000"/>
+              </a:schemeClr>
+            </a:lnRef>
+            <a:fillRef idx="1">
+              <a:schemeClr val="accent1"/>
+            </a:fillRef>
+            <a:effectRef idx="0">
+              <a:schemeClr val="accent1"/>
+            </a:effectRef>
+            <a:fontRef idx="minor">
+              <a:schemeClr val="lt1"/>
+            </a:fontRef>
+          </p:style>
+          <p:txBody>
+            <a:bodyPr rtlCol="0" anchor="ctr"/>
+            <a:lstStyle/>
+            <a:p>
+              <a:pPr algn="ctr"/>
+              <a:r>
+                <a:rPr kumimoji="1" lang="ja-JP" altLang="en-US" dirty="0"/>
+                <a:t>私が考えました</a:t>
+              </a:r>
+            </a:p>
+          </p:txBody>
+        </p:sp>
+        <p:sp>
+          <p:nvSpPr>
+            <p:cNvPr id="11" name="テキスト ボックス 10">
+              <a:extLst>
+                <a:ext uri="{FF2B5EF4-FFF2-40B4-BE49-F238E27FC236}">
+                  <a16:creationId xmlns:a16="http://schemas.microsoft.com/office/drawing/2014/main" id="{E404F28E-75FD-ADC9-CAA1-8BC72E557514}"/>
+                </a:ext>
+              </a:extLst>
+            </p:cNvPr>
+            <p:cNvSpPr txBox="1"/>
+            <p:nvPr/>
+          </p:nvSpPr>
+          <p:spPr>
+            <a:xfrm>
+              <a:off x="8749821" y="2331608"/>
+              <a:ext cx="3994843" cy="371931"/>
+            </a:xfrm>
+            <a:prstGeom prst="rect">
+              <a:avLst/>
+            </a:prstGeom>
+            <a:noFill/>
+          </p:spPr>
+          <p:txBody>
+            <a:bodyPr wrap="square">
+              <a:spAutoFit/>
+            </a:bodyPr>
+            <a:lstStyle/>
+            <a:p>
+              <a:r>
+                <a:rPr lang="en-US" altLang="ja-JP" sz="1400" i="0" dirty="0">
+                  <a:solidFill>
+                    <a:srgbClr val="202122"/>
+                  </a:solidFill>
+                  <a:effectLst/>
+                  <a:latin typeface="Arial" panose="020B0604020202020204" pitchFamily="34" charset="0"/>
+                </a:rPr>
+                <a:t> </a:t>
+              </a:r>
+              <a:r>
+                <a:rPr lang="en-US" altLang="ja-JP" sz="1400" b="0" i="0" dirty="0">
+                  <a:solidFill>
+                    <a:srgbClr val="202122"/>
+                  </a:solidFill>
+                  <a:effectLst/>
+                  <a:latin typeface="Arial" panose="020B0604020202020204" pitchFamily="34" charset="0"/>
+                </a:rPr>
+                <a:t> Deane Brewster Judd </a:t>
+              </a:r>
+              <a:r>
+                <a:rPr lang="en-US" altLang="ja-JP" sz="1400" dirty="0">
+                  <a:solidFill>
+                    <a:srgbClr val="202122"/>
+                  </a:solidFill>
+                  <a:latin typeface="Arial" panose="020B0604020202020204" pitchFamily="34" charset="0"/>
+                </a:rPr>
+                <a:t>(1990</a:t>
+              </a:r>
+              <a:r>
+                <a:rPr lang="en-US" altLang="ja-JP" sz="1400" i="0" dirty="0">
+                  <a:solidFill>
+                    <a:srgbClr val="202122"/>
+                  </a:solidFill>
+                  <a:effectLst/>
+                  <a:latin typeface="Arial" panose="020B0604020202020204" pitchFamily="34" charset="0"/>
+                </a:rPr>
+                <a:t>-1972)</a:t>
+              </a:r>
+              <a:endParaRPr lang="ja-JP" altLang="en-US" sz="1400" dirty="0"/>
+            </a:p>
+          </p:txBody>
+        </p:sp>
+      </p:grpSp>
+      <p:pic>
+        <p:nvPicPr>
+          <p:cNvPr id="13" name="animation">
+            <a:hlinkClick r:id="" action="ppaction://media"/>
+            <a:extLst>
+              <a:ext uri="{FF2B5EF4-FFF2-40B4-BE49-F238E27FC236}">
+                <a16:creationId xmlns:a16="http://schemas.microsoft.com/office/drawing/2014/main" id="{9320F31A-04FD-8610-8C0F-0BB39AA2E30F}"/>
+              </a:ext>
+            </a:extLst>
+          </p:cNvPr>
+          <p:cNvPicPr>
+            <a:picLocks noChangeAspect="1"/>
+          </p:cNvPicPr>
+          <p:nvPr>
+            <a:videoFile r:link="rId2"/>
+            <p:extLst>
+              <p:ext uri="{DAA4B4D4-6D71-4841-9C94-3DE7FCFB9230}">
+                <p14:media xmlns:p14="http://schemas.microsoft.com/office/powerpoint/2010/main" r:embed="rId1"/>
+              </p:ext>
+            </p:extLst>
+          </p:nvPr>
+        </p:nvPicPr>
+        <p:blipFill rotWithShape="1">
+          <a:blip r:embed="rId7"/>
+          <a:srcRect l="48609" b="43806"/>
+          <a:stretch/>
+        </p:blipFill>
         <p:spPr>
           <a:xfrm>
-            <a:off x="4637025" y="4403558"/>
-            <a:ext cx="1930420" cy="742700"/>
+            <a:off x="0" y="2349604"/>
+            <a:ext cx="5480042" cy="4493765"/>
           </a:xfrm>
-          <a:prstGeom prst="wedgeRectCallout">
-            <a:avLst>
-              <a:gd name="adj1" fmla="val 69054"/>
-              <a:gd name="adj2" fmla="val -45444"/>
-            </a:avLst>
+          <a:prstGeom prst="rect">
+            <a:avLst/>
           </a:prstGeom>
         </p:spPr>
-        <p:style>
-          <a:lnRef idx="2">
-            <a:schemeClr val="accent1">
-              <a:shade val="15000"/>
-            </a:schemeClr>
-          </a:lnRef>
-          <a:fillRef idx="1">
-            <a:schemeClr val="accent1"/>
-          </a:fillRef>
-          <a:effectRef idx="0">
-            <a:schemeClr val="accent1"/>
-          </a:effectRef>
-          <a:fontRef idx="minor">
-            <a:schemeClr val="lt1"/>
-          </a:fontRef>
-        </p:style>
-        <p:txBody>
-          <a:bodyPr rtlCol="0" anchor="ctr"/>
-          <a:lstStyle/>
-          <a:p>
-            <a:pPr algn="ctr"/>
-            <a:r>
-              <a:rPr kumimoji="1" lang="ja-JP" altLang="en-US" dirty="0"/>
-              <a:t>私が考えました</a:t>
-            </a:r>
-          </a:p>
-        </p:txBody>
-      </p:sp>
+      </p:pic>
     </p:spTree>
     <p:extLst>
       <p:ext uri="{BB962C8B-B14F-4D97-AF65-F5344CB8AC3E}">
@@ -4038,6 +4336,144 @@
   <p:clrMapOvr>
     <a:masterClrMapping/>
   </p:clrMapOvr>
+  <p:timing>
+    <p:tnLst>
+      <p:par>
+        <p:cTn id="1" dur="indefinite" restart="never" nodeType="tmRoot">
+          <p:childTnLst>
+            <p:seq concurrent="1" nextAc="seek">
+              <p:cTn id="2" dur="indefinite" nodeType="mainSeq">
+                <p:childTnLst>
+                  <p:par>
+                    <p:cTn id="3" fill="hold">
+                      <p:stCondLst>
+                        <p:cond delay="indefinite"/>
+                        <p:cond evt="onBegin" delay="0">
+                          <p:tn val="2"/>
+                        </p:cond>
+                      </p:stCondLst>
+                      <p:childTnLst>
+                        <p:par>
+                          <p:cTn id="4" fill="hold">
+                            <p:stCondLst>
+                              <p:cond delay="0"/>
+                            </p:stCondLst>
+                            <p:childTnLst>
+                              <p:par>
+                                <p:cTn id="5" presetID="1" presetClass="mediacall" presetSubtype="0" fill="hold" nodeType="afterEffect">
+                                  <p:stCondLst>
+                                    <p:cond delay="0"/>
+                                  </p:stCondLst>
+                                  <p:childTnLst>
+                                    <p:cmd type="call" cmd="playFrom(0.0)">
+                                      <p:cBhvr>
+                                        <p:cTn id="6" dur="12000" fill="hold"/>
+                                        <p:tgtEl>
+                                          <p:spTgt spid="13"/>
+                                        </p:tgtEl>
+                                      </p:cBhvr>
+                                    </p:cmd>
+                                  </p:childTnLst>
+                                </p:cTn>
+                              </p:par>
+                            </p:childTnLst>
+                          </p:cTn>
+                        </p:par>
+                      </p:childTnLst>
+                    </p:cTn>
+                  </p:par>
+                </p:childTnLst>
+              </p:cTn>
+              <p:prevCondLst>
+                <p:cond evt="onPrev" delay="0">
+                  <p:tgtEl>
+                    <p:sldTgt/>
+                  </p:tgtEl>
+                </p:cond>
+              </p:prevCondLst>
+              <p:nextCondLst>
+                <p:cond evt="onNext" delay="0">
+                  <p:tgtEl>
+                    <p:sldTgt/>
+                  </p:tgtEl>
+                </p:cond>
+              </p:nextCondLst>
+            </p:seq>
+            <p:seq concurrent="1" nextAc="seek">
+              <p:cTn id="7" restart="whenNotActive" fill="hold" evtFilter="cancelBubble" nodeType="interactiveSeq">
+                <p:stCondLst>
+                  <p:cond evt="onClick" delay="0">
+                    <p:tgtEl>
+                      <p:spTgt spid="13"/>
+                    </p:tgtEl>
+                  </p:cond>
+                </p:stCondLst>
+                <p:endSync evt="end" delay="0">
+                  <p:rtn val="all"/>
+                </p:endSync>
+                <p:childTnLst>
+                  <p:par>
+                    <p:cTn id="8" fill="hold">
+                      <p:stCondLst>
+                        <p:cond delay="0"/>
+                      </p:stCondLst>
+                      <p:childTnLst>
+                        <p:par>
+                          <p:cTn id="9" fill="hold">
+                            <p:stCondLst>
+                              <p:cond delay="0"/>
+                            </p:stCondLst>
+                            <p:childTnLst>
+                              <p:par>
+                                <p:cTn id="10" presetID="2" presetClass="mediacall" presetSubtype="0" fill="hold" nodeType="clickEffect">
+                                  <p:stCondLst>
+                                    <p:cond delay="0"/>
+                                  </p:stCondLst>
+                                  <p:childTnLst>
+                                    <p:cmd type="call" cmd="togglePause">
+                                      <p:cBhvr>
+                                        <p:cTn id="11" dur="1" fill="hold"/>
+                                        <p:tgtEl>
+                                          <p:spTgt spid="13"/>
+                                        </p:tgtEl>
+                                      </p:cBhvr>
+                                    </p:cmd>
+                                  </p:childTnLst>
+                                </p:cTn>
+                              </p:par>
+                            </p:childTnLst>
+                          </p:cTn>
+                        </p:par>
+                      </p:childTnLst>
+                    </p:cTn>
+                  </p:par>
+                </p:childTnLst>
+              </p:cTn>
+              <p:nextCondLst>
+                <p:cond evt="onClick" delay="0">
+                  <p:tgtEl>
+                    <p:spTgt spid="13"/>
+                  </p:tgtEl>
+                </p:cond>
+              </p:nextCondLst>
+            </p:seq>
+            <p:video>
+              <p:cMediaNode vol="80000">
+                <p:cTn id="12" fill="remove" display="0">
+                  <p:stCondLst>
+                    <p:cond delay="indefinite"/>
+                  </p:stCondLst>
+                </p:cTn>
+                <p:tgtEl>
+                  <p:spTgt spid="13"/>
+                </p:tgtEl>
+              </p:cMediaNode>
+            </p:video>
+          </p:childTnLst>
+        </p:cTn>
+      </p:par>
+    </p:tnLst>
+  </p:timing>
 </p:sld>
 </file>
 
@@ -4089,8 +4525,8 @@
         </p:blipFill>
         <p:spPr>
           <a:xfrm>
-            <a:off x="4436269" y="1069976"/>
-            <a:ext cx="7903591" cy="5927154"/>
+            <a:off x="2354239" y="1245869"/>
+            <a:ext cx="7483522" cy="5612131"/>
           </a:xfrm>
         </p:spPr>
       </p:pic>
@@ -4120,6 +4556,209 @@
               <a:t>ニューラルネットワークで色空間を変換</a:t>
             </a:r>
             <a:endParaRPr kumimoji="1" lang="ja-JP" altLang="en-US" dirty="0"/>
+          </a:p>
+        </p:txBody>
+      </p:sp>
+      <p:sp>
+        <p:nvSpPr>
+          <p:cNvPr id="3" name="コンテンツ プレースホルダー 2">
+            <a:extLst>
+              <a:ext uri="{FF2B5EF4-FFF2-40B4-BE49-F238E27FC236}">
+                <a16:creationId xmlns:a16="http://schemas.microsoft.com/office/drawing/2014/main" id="{38CFF2C0-9FB7-7E2F-9FA0-1F5BCBDC2633}"/>
+              </a:ext>
+            </a:extLst>
+          </p:cNvPr>
+          <p:cNvSpPr txBox="1">
+            <a:spLocks/>
+          </p:cNvSpPr>
+          <p:nvPr/>
+        </p:nvSpPr>
+        <p:spPr>
+          <a:xfrm>
+            <a:off x="838200" y="1825625"/>
+            <a:ext cx="10515600" cy="4351338"/>
+          </a:xfrm>
+          <a:prstGeom prst="rect">
+            <a:avLst/>
+          </a:prstGeom>
+        </p:spPr>
+        <p:txBody>
+          <a:bodyPr vert="horz" lIns="91440" tIns="45720" rIns="91440" bIns="45720" rtlCol="0">
+            <a:normAutofit/>
+          </a:bodyPr>
+          <a:lstStyle>
+            <a:lvl1pPr marL="228600" indent="-228600" algn="l" defTabSz="914400" rtl="0" eaLnBrk="1" latinLnBrk="0" hangingPunct="1">
+              <a:lnSpc>
+                <a:spcPct val="90000"/>
+              </a:lnSpc>
+              <a:spcBef>
+                <a:spcPts val="1000"/>
+              </a:spcBef>
+              <a:buFont typeface="Arial" panose="020B0604020202020204" pitchFamily="34" charset="0"/>
+              <a:buChar char="•"/>
+              <a:defRPr kumimoji="1" sz="2800" kern="1200">
+                <a:solidFill>
+                  <a:schemeClr val="tx1"/>
+                </a:solidFill>
+                <a:latin typeface="+mn-lt"/>
+                <a:ea typeface="+mn-ea"/>
+                <a:cs typeface="+mn-cs"/>
+              </a:defRPr>
+            </a:lvl1pPr>
+            <a:lvl2pPr marL="685800" indent="-228600" algn="l" defTabSz="914400" rtl="0" eaLnBrk="1" latinLnBrk="0" hangingPunct="1">
+              <a:lnSpc>
+                <a:spcPct val="90000"/>
+              </a:lnSpc>
+              <a:spcBef>
+                <a:spcPts val="500"/>
+              </a:spcBef>
+              <a:buFont typeface="Arial" panose="020B0604020202020204" pitchFamily="34" charset="0"/>
+              <a:buChar char="•"/>
+              <a:defRPr kumimoji="1" sz="2400" kern="1200">
+                <a:solidFill>
+                  <a:schemeClr val="tx1"/>
+                </a:solidFill>
+                <a:latin typeface="+mn-lt"/>
+                <a:ea typeface="+mn-ea"/>
+                <a:cs typeface="+mn-cs"/>
+              </a:defRPr>
+            </a:lvl2pPr>
+            <a:lvl3pPr marL="1143000" indent="-228600" algn="l" defTabSz="914400" rtl="0" eaLnBrk="1" latinLnBrk="0" hangingPunct="1">
+              <a:lnSpc>
+                <a:spcPct val="90000"/>
+              </a:lnSpc>
+              <a:spcBef>
+                <a:spcPts val="500"/>
+              </a:spcBef>
+              <a:buFont typeface="Arial" panose="020B0604020202020204" pitchFamily="34" charset="0"/>
+              <a:buChar char="•"/>
+              <a:defRPr kumimoji="1" sz="2000" kern="1200">
+                <a:solidFill>
+                  <a:schemeClr val="tx1"/>
+                </a:solidFill>
+                <a:latin typeface="+mn-lt"/>
+                <a:ea typeface="+mn-ea"/>
+                <a:cs typeface="+mn-cs"/>
+              </a:defRPr>
+            </a:lvl3pPr>
+            <a:lvl4pPr marL="1600200" indent="-228600" algn="l" defTabSz="914400" rtl="0" eaLnBrk="1" latinLnBrk="0" hangingPunct="1">
+              <a:lnSpc>
+                <a:spcPct val="90000"/>
+              </a:lnSpc>
+              <a:spcBef>
+                <a:spcPts val="500"/>
+              </a:spcBef>
+              <a:buFont typeface="Arial" panose="020B0604020202020204" pitchFamily="34" charset="0"/>
+              <a:buChar char="•"/>
+              <a:defRPr kumimoji="1" sz="1800" kern="1200">
+                <a:solidFill>
+                  <a:schemeClr val="tx1"/>
+                </a:solidFill>
+                <a:latin typeface="+mn-lt"/>
+                <a:ea typeface="+mn-ea"/>
+                <a:cs typeface="+mn-cs"/>
+              </a:defRPr>
+            </a:lvl4pPr>
+            <a:lvl5pPr marL="2057400" indent="-228600" algn="l" defTabSz="914400" rtl="0" eaLnBrk="1" latinLnBrk="0" hangingPunct="1">
+              <a:lnSpc>
+                <a:spcPct val="90000"/>
+              </a:lnSpc>
+              <a:spcBef>
+                <a:spcPts val="500"/>
+              </a:spcBef>
+              <a:buFont typeface="Arial" panose="020B0604020202020204" pitchFamily="34" charset="0"/>
+              <a:buChar char="•"/>
+              <a:defRPr kumimoji="1" sz="1800" kern="1200">
+                <a:solidFill>
+                  <a:schemeClr val="tx1"/>
+                </a:solidFill>
+                <a:latin typeface="+mn-lt"/>
+                <a:ea typeface="+mn-ea"/>
+                <a:cs typeface="+mn-cs"/>
+              </a:defRPr>
+            </a:lvl5pPr>
+            <a:lvl6pPr marL="2514600" indent="-228600" algn="l" defTabSz="914400" rtl="0" eaLnBrk="1" latinLnBrk="0" hangingPunct="1">
+              <a:lnSpc>
+                <a:spcPct val="90000"/>
+              </a:lnSpc>
+              <a:spcBef>
+                <a:spcPts val="500"/>
+              </a:spcBef>
+              <a:buFont typeface="Arial" panose="020B0604020202020204" pitchFamily="34" charset="0"/>
+              <a:buChar char="•"/>
+              <a:defRPr kumimoji="1" sz="1800" kern="1200">
+                <a:solidFill>
+                  <a:schemeClr val="tx1"/>
+                </a:solidFill>
+                <a:latin typeface="+mn-lt"/>
+                <a:ea typeface="+mn-ea"/>
+                <a:cs typeface="+mn-cs"/>
+              </a:defRPr>
+            </a:lvl6pPr>
+            <a:lvl7pPr marL="2971800" indent="-228600" algn="l" defTabSz="914400" rtl="0" eaLnBrk="1" latinLnBrk="0" hangingPunct="1">
+              <a:lnSpc>
+                <a:spcPct val="90000"/>
+              </a:lnSpc>
+              <a:spcBef>
+                <a:spcPts val="500"/>
+              </a:spcBef>
+              <a:buFont typeface="Arial" panose="020B0604020202020204" pitchFamily="34" charset="0"/>
+              <a:buChar char="•"/>
+              <a:defRPr kumimoji="1" sz="1800" kern="1200">
+                <a:solidFill>
+                  <a:schemeClr val="tx1"/>
+                </a:solidFill>
+                <a:latin typeface="+mn-lt"/>
+                <a:ea typeface="+mn-ea"/>
+                <a:cs typeface="+mn-cs"/>
+              </a:defRPr>
+            </a:lvl7pPr>
+            <a:lvl8pPr marL="3429000" indent="-228600" algn="l" defTabSz="914400" rtl="0" eaLnBrk="1" latinLnBrk="0" hangingPunct="1">
+              <a:lnSpc>
+                <a:spcPct val="90000"/>
+              </a:lnSpc>
+              <a:spcBef>
+                <a:spcPts val="500"/>
+              </a:spcBef>
+              <a:buFont typeface="Arial" panose="020B0604020202020204" pitchFamily="34" charset="0"/>
+              <a:buChar char="•"/>
+              <a:defRPr kumimoji="1" sz="1800" kern="1200">
+                <a:solidFill>
+                  <a:schemeClr val="tx1"/>
+                </a:solidFill>
+                <a:latin typeface="+mn-lt"/>
+                <a:ea typeface="+mn-ea"/>
+                <a:cs typeface="+mn-cs"/>
+              </a:defRPr>
+            </a:lvl8pPr>
+            <a:lvl9pPr marL="3886200" indent="-228600" algn="l" defTabSz="914400" rtl="0" eaLnBrk="1" latinLnBrk="0" hangingPunct="1">
+              <a:lnSpc>
+                <a:spcPct val="90000"/>
+              </a:lnSpc>
+              <a:spcBef>
+                <a:spcPts val="500"/>
+              </a:spcBef>
+              <a:buFont typeface="Arial" panose="020B0604020202020204" pitchFamily="34" charset="0"/>
+              <a:buChar char="•"/>
+              <a:defRPr kumimoji="1" sz="1800" kern="1200">
+                <a:solidFill>
+                  <a:schemeClr val="tx1"/>
+                </a:solidFill>
+                <a:latin typeface="+mn-lt"/>
+                <a:ea typeface="+mn-ea"/>
+                <a:cs typeface="+mn-cs"/>
+              </a:defRPr>
+            </a:lvl9pPr>
+          </a:lstStyle>
+          <a:p>
+            <a:r>
+              <a:rPr lang="en-US" altLang="ja-JP" dirty="0" err="1"/>
+              <a:t>Keras</a:t>
+            </a:r>
+            <a:r>
+              <a:rPr lang="ja-JP" altLang="en-US" dirty="0"/>
+              <a:t>を使用</a:t>
+            </a:r>
           </a:p>
         </p:txBody>
       </p:sp>
@@ -4145,6 +4784,9 @@
                     <p:cTn id="3" fill="hold">
                       <p:stCondLst>
                         <p:cond delay="indefinite"/>
+                        <p:cond evt="onBegin" delay="0">
+                          <p:tn val="2"/>
+                        </p:cond>
                       </p:stCondLst>
                       <p:childTnLst>
                         <p:par>
@@ -4154,7 +4796,7 @@
                             </p:stCondLst>
                             <p:childTnLst>
                               <p:par>
-                                <p:cTn id="5" presetID="1" presetClass="mediacall" presetSubtype="0" fill="hold" nodeType="clickEffect">
+                                <p:cTn id="5" presetID="1" presetClass="mediacall" presetSubtype="0" fill="hold" nodeType="afterEffect">
                                   <p:stCondLst>
                                     <p:cond delay="0"/>
                                   </p:stCondLst>
@@ -4195,7 +4837,7 @@
             </p:seq>
             <p:video>
               <p:cMediaNode vol="80000">
-                <p:cTn id="7" fill="hold" display="0">
+                <p:cTn id="7" fill="remove" display="0">
                   <p:stCondLst>
                     <p:cond delay="indefinite"/>
                   </p:stCondLst>
@@ -4396,13 +5038,10 @@
           <a:lstStyle/>
           <a:p>
             <a:r>
-              <a:rPr kumimoji="1" lang="en-US" altLang="ja-JP" dirty="0"/>
-              <a:t>QR</a:t>
-            </a:r>
-            <a:r>
-              <a:rPr kumimoji="1" lang="ja-JP" altLang="en-US" dirty="0"/>
-              <a:t>コード</a:t>
-            </a:r>
+              <a:rPr lang="ja-JP" altLang="en-US" dirty="0"/>
+              <a:t>良かったら触ってみてください</a:t>
+            </a:r>
+            <a:endParaRPr kumimoji="1" lang="ja-JP" altLang="en-US" dirty="0"/>
           </a:p>
         </p:txBody>
       </p:sp>
@@ -4427,109 +5066,6 @@
           <a:bodyPr/>
           <a:lstStyle/>
           <a:p>
-            <a:endParaRPr kumimoji="1" lang="ja-JP" altLang="en-US" dirty="0"/>
-          </a:p>
-        </p:txBody>
-      </p:sp>
-      <p:sp>
-        <p:nvSpPr>
-          <p:cNvPr id="4" name="テキスト ボックス 3">
-            <a:extLst>
-              <a:ext uri="{FF2B5EF4-FFF2-40B4-BE49-F238E27FC236}">
-                <a16:creationId xmlns:a16="http://schemas.microsoft.com/office/drawing/2014/main" id="{48BAEE04-C38B-CD53-16A0-9BC0786F0868}"/>
-              </a:ext>
-            </a:extLst>
-          </p:cNvPr>
-          <p:cNvSpPr txBox="1"/>
-          <p:nvPr/>
-        </p:nvSpPr>
-        <p:spPr>
-          <a:xfrm>
-            <a:off x="1900988" y="6228933"/>
-            <a:ext cx="10635917" cy="646331"/>
-          </a:xfrm>
-          <a:prstGeom prst="rect">
-            <a:avLst/>
-          </a:prstGeom>
-          <a:noFill/>
-        </p:spPr>
-        <p:txBody>
-          <a:bodyPr wrap="square" rtlCol="0">
-            <a:spAutoFit/>
-          </a:bodyPr>
-          <a:lstStyle/>
-          <a:p>
-            <a:r>
-              <a:rPr lang="az-Cyrl-AZ" altLang="ja-JP" b="0" i="0" dirty="0">
-                <a:solidFill>
-                  <a:srgbClr val="202122"/>
-                </a:solidFill>
-                <a:effectLst/>
-                <a:latin typeface="Arial" panose="020B0604020202020204" pitchFamily="34" charset="0"/>
-              </a:rPr>
-              <a:t>копия из книги </a:t>
-            </a:r>
-            <a:r>
-              <a:rPr lang="en-US" altLang="ja-JP" b="0" i="0" dirty="0">
-                <a:solidFill>
-                  <a:srgbClr val="202122"/>
-                </a:solidFill>
-                <a:effectLst/>
-                <a:latin typeface="Arial" panose="020B0604020202020204" pitchFamily="34" charset="0"/>
-              </a:rPr>
-              <a:t>Bauhaus. Bauhaus </a:t>
-            </a:r>
-            <a:r>
-              <a:rPr lang="en-US" altLang="ja-JP" b="0" i="0" dirty="0" err="1">
-                <a:solidFill>
-                  <a:srgbClr val="202122"/>
-                </a:solidFill>
-                <a:effectLst/>
-                <a:latin typeface="Arial" panose="020B0604020202020204" pitchFamily="34" charset="0"/>
-              </a:rPr>
-              <a:t>archiv</a:t>
-            </a:r>
-            <a:r>
-              <a:rPr lang="en-US" altLang="ja-JP" b="0" i="0" dirty="0">
-                <a:solidFill>
-                  <a:srgbClr val="202122"/>
-                </a:solidFill>
-                <a:effectLst/>
-                <a:latin typeface="Arial" panose="020B0604020202020204" pitchFamily="34" charset="0"/>
-              </a:rPr>
-              <a:t>. 1919-1933. Magdalena </a:t>
-            </a:r>
-            <a:r>
-              <a:rPr lang="en-US" altLang="ja-JP" b="0" i="0" dirty="0" err="1">
-                <a:solidFill>
-                  <a:srgbClr val="202122"/>
-                </a:solidFill>
-                <a:effectLst/>
-                <a:latin typeface="Arial" panose="020B0604020202020204" pitchFamily="34" charset="0"/>
-              </a:rPr>
-              <a:t>Droste</a:t>
-            </a:r>
-            <a:r>
-              <a:rPr lang="en-US" altLang="ja-JP" b="0" i="0" dirty="0">
-                <a:solidFill>
-                  <a:srgbClr val="202122"/>
-                </a:solidFill>
-                <a:effectLst/>
-                <a:latin typeface="Arial" panose="020B0604020202020204" pitchFamily="34" charset="0"/>
-              </a:rPr>
-              <a:t>. Benedikt Taschen. 1990 </a:t>
-            </a:r>
-            <a:r>
-              <a:rPr lang="en-US" altLang="ja-JP" b="0" i="0" u="none" strike="noStrike" dirty="0">
-                <a:solidFill>
-                  <a:srgbClr val="0645AD"/>
-                </a:solidFill>
-                <a:effectLst/>
-                <a:latin typeface="Arial" panose="020B0604020202020204" pitchFamily="34" charset="0"/>
-                <a:hlinkClick r:id="rId2" tooltip="Special:BookSources/3-8228-0179-8"/>
-              </a:rPr>
-              <a:t>ISBN 3-8228-0179-8</a:t>
-            </a:r>
             <a:endParaRPr kumimoji="1" lang="ja-JP" altLang="en-US" dirty="0"/>
           </a:p>
         </p:txBody>
@@ -4549,7 +5085,7 @@
           <p:nvPr/>
         </p:nvPicPr>
         <p:blipFill>
-          <a:blip r:embed="rId3">
+          <a:blip r:embed="rId2">
             <a:extLst>
               <a:ext uri="{28A0092B-C50C-407E-A947-70E740481C1C}">
                 <a14:useLocalDpi xmlns:a14="http://schemas.microsoft.com/office/drawing/2010/main" val="0"/>
